--- a/www/common/onlyoffice/v2b/sdkjs/slide/themes/src/08_safari.pptx
+++ b/www/common/onlyoffice/v2b/sdkjs/slide/themes/src/08_safari.pptx
@@ -462,6 +462,121 @@
           </a:p>
         </p:txBody>
       </p:sp>
+      <p:sp>
+        <p:nvSpPr>
+          <p:cNvPr id="8" name="Дата 4"/>
+          <p:cNvSpPr>
+            <a:spLocks noGrp="1"/>
+          </p:cNvSpPr>
+          <p:nvPr>
+            <p:ph type="dt" sz="half" idx="10"/>
+          </p:nvPr>
+        </p:nvSpPr>
+        <p:spPr>
+          <a:xfrm>
+            <a:off x="433536" y="4623978"/>
+            <a:ext cx="2133600" cy="273844"/>
+          </a:xfrm>
+          <a:prstGeom prst="rect">
+            <a:avLst/>
+          </a:prstGeom>
+        </p:spPr>
+        <p:txBody>
+          <a:bodyPr/>
+          <a:lstStyle>
+            <a:lvl1pPr>
+              <a:defRPr>
+                <a:solidFill>
+                  <a:srgbClr val="603636"/>
+                </a:solidFill>
+              </a:defRPr>
+            </a:lvl1pPr>
+          </a:lstStyle>
+          <a:p>
+            <a:fld id="{51E84241-D031-42DE-84E4-CC10C30232F4}" type="datetimeFigureOut">
+              <a:rPr lang="ru-RU" smtClean="0"/>
+              <a:pPr/>
+              <a:t>22.10.2013</a:t>
+            </a:fld>
+            <a:endParaRPr lang="ru-RU" dirty="0"/>
+          </a:p>
+        </p:txBody>
+      </p:sp>
+      <p:sp>
+        <p:nvSpPr>
+          <p:cNvPr id="9" name="Нижний колонтитул 5"/>
+          <p:cNvSpPr>
+            <a:spLocks noGrp="1"/>
+          </p:cNvSpPr>
+          <p:nvPr>
+            <p:ph type="ftr" sz="quarter" idx="11"/>
+          </p:nvPr>
+        </p:nvSpPr>
+        <p:spPr>
+          <a:xfrm>
+            <a:off x="3100536" y="4623978"/>
+            <a:ext cx="2895600" cy="273844"/>
+          </a:xfrm>
+          <a:prstGeom prst="rect">
+            <a:avLst/>
+          </a:prstGeom>
+        </p:spPr>
+        <p:txBody>
+          <a:bodyPr/>
+          <a:lstStyle>
+            <a:lvl1pPr>
+              <a:defRPr>
+                <a:solidFill>
+                  <a:srgbClr val="603636"/>
+                </a:solidFill>
+              </a:defRPr>
+            </a:lvl1pPr>
+          </a:lstStyle>
+          <a:p>
+            <a:endParaRPr lang="ru-RU"/>
+          </a:p>
+        </p:txBody>
+      </p:sp>
+      <p:sp>
+        <p:nvSpPr>
+          <p:cNvPr id="10" name="Номер слайда 6"/>
+          <p:cNvSpPr>
+            <a:spLocks noGrp="1"/>
+          </p:cNvSpPr>
+          <p:nvPr>
+            <p:ph type="sldNum" sz="quarter" idx="12"/>
+          </p:nvPr>
+        </p:nvSpPr>
+        <p:spPr>
+          <a:xfrm>
+            <a:off x="6529536" y="4623978"/>
+            <a:ext cx="2133600" cy="273844"/>
+          </a:xfrm>
+          <a:prstGeom prst="rect">
+            <a:avLst/>
+          </a:prstGeom>
+        </p:spPr>
+        <p:txBody>
+          <a:bodyPr/>
+          <a:lstStyle>
+            <a:lvl1pPr>
+              <a:defRPr>
+                <a:solidFill>
+                  <a:srgbClr val="603636"/>
+                </a:solidFill>
+              </a:defRPr>
+            </a:lvl1pPr>
+          </a:lstStyle>
+          <a:p>
+            <a:fld id="{6B5AA3AA-5EA9-4976-BF6C-9891F6110747}" type="slidenum">
+              <a:rPr lang="ru-RU" smtClean="0"/>
+              <a:pPr/>
+              <a:t>‹#›</a:t>
+            </a:fld>
+            <a:endParaRPr lang="ru-RU"/>
+          </a:p>
+        </p:txBody>
+      </p:sp>
     </p:spTree>
   </p:cSld>
   <p:clrMapOvr>
@@ -559,6 +674,121 @@
           </a:p>
         </p:txBody>
       </p:sp>
+      <p:sp>
+        <p:nvSpPr>
+          <p:cNvPr id="8" name="Дата 4"/>
+          <p:cNvSpPr>
+            <a:spLocks noGrp="1"/>
+          </p:cNvSpPr>
+          <p:nvPr>
+            <p:ph type="dt" sz="half" idx="10"/>
+          </p:nvPr>
+        </p:nvSpPr>
+        <p:spPr>
+          <a:xfrm>
+            <a:off x="433536" y="4623978"/>
+            <a:ext cx="2133600" cy="273844"/>
+          </a:xfrm>
+          <a:prstGeom prst="rect">
+            <a:avLst/>
+          </a:prstGeom>
+        </p:spPr>
+        <p:txBody>
+          <a:bodyPr/>
+          <a:lstStyle>
+            <a:lvl1pPr>
+              <a:defRPr>
+                <a:solidFill>
+                  <a:srgbClr val="603636"/>
+                </a:solidFill>
+              </a:defRPr>
+            </a:lvl1pPr>
+          </a:lstStyle>
+          <a:p>
+            <a:fld id="{51E84241-D031-42DE-84E4-CC10C30232F4}" type="datetimeFigureOut">
+              <a:rPr lang="ru-RU" smtClean="0"/>
+              <a:pPr/>
+              <a:t>22.10.2013</a:t>
+            </a:fld>
+            <a:endParaRPr lang="ru-RU" dirty="0"/>
+          </a:p>
+        </p:txBody>
+      </p:sp>
+      <p:sp>
+        <p:nvSpPr>
+          <p:cNvPr id="9" name="Нижний колонтитул 5"/>
+          <p:cNvSpPr>
+            <a:spLocks noGrp="1"/>
+          </p:cNvSpPr>
+          <p:nvPr>
+            <p:ph type="ftr" sz="quarter" idx="11"/>
+          </p:nvPr>
+        </p:nvSpPr>
+        <p:spPr>
+          <a:xfrm>
+            <a:off x="3100536" y="4623978"/>
+            <a:ext cx="2895600" cy="273844"/>
+          </a:xfrm>
+          <a:prstGeom prst="rect">
+            <a:avLst/>
+          </a:prstGeom>
+        </p:spPr>
+        <p:txBody>
+          <a:bodyPr/>
+          <a:lstStyle>
+            <a:lvl1pPr>
+              <a:defRPr>
+                <a:solidFill>
+                  <a:srgbClr val="603636"/>
+                </a:solidFill>
+              </a:defRPr>
+            </a:lvl1pPr>
+          </a:lstStyle>
+          <a:p>
+            <a:endParaRPr lang="ru-RU"/>
+          </a:p>
+        </p:txBody>
+      </p:sp>
+      <p:sp>
+        <p:nvSpPr>
+          <p:cNvPr id="10" name="Номер слайда 6"/>
+          <p:cNvSpPr>
+            <a:spLocks noGrp="1"/>
+          </p:cNvSpPr>
+          <p:nvPr>
+            <p:ph type="sldNum" sz="quarter" idx="12"/>
+          </p:nvPr>
+        </p:nvSpPr>
+        <p:spPr>
+          <a:xfrm>
+            <a:off x="6529536" y="4623978"/>
+            <a:ext cx="2133600" cy="273844"/>
+          </a:xfrm>
+          <a:prstGeom prst="rect">
+            <a:avLst/>
+          </a:prstGeom>
+        </p:spPr>
+        <p:txBody>
+          <a:bodyPr/>
+          <a:lstStyle>
+            <a:lvl1pPr>
+              <a:defRPr>
+                <a:solidFill>
+                  <a:srgbClr val="603636"/>
+                </a:solidFill>
+              </a:defRPr>
+            </a:lvl1pPr>
+          </a:lstStyle>
+          <a:p>
+            <a:fld id="{6B5AA3AA-5EA9-4976-BF6C-9891F6110747}" type="slidenum">
+              <a:rPr lang="ru-RU" smtClean="0"/>
+              <a:pPr/>
+              <a:t>‹#›</a:t>
+            </a:fld>
+            <a:endParaRPr lang="ru-RU"/>
+          </a:p>
+        </p:txBody>
+      </p:sp>
     </p:spTree>
   </p:cSld>
   <p:clrMapOvr>
@@ -715,6 +945,121 @@
           </a:p>
         </p:txBody>
       </p:sp>
+      <p:sp>
+        <p:nvSpPr>
+          <p:cNvPr id="8" name="Дата 4"/>
+          <p:cNvSpPr>
+            <a:spLocks noGrp="1"/>
+          </p:cNvSpPr>
+          <p:nvPr>
+            <p:ph type="dt" sz="half" idx="10"/>
+          </p:nvPr>
+        </p:nvSpPr>
+        <p:spPr>
+          <a:xfrm>
+            <a:off x="433536" y="4623978"/>
+            <a:ext cx="2133600" cy="273844"/>
+          </a:xfrm>
+          <a:prstGeom prst="rect">
+            <a:avLst/>
+          </a:prstGeom>
+        </p:spPr>
+        <p:txBody>
+          <a:bodyPr/>
+          <a:lstStyle>
+            <a:lvl1pPr>
+              <a:defRPr>
+                <a:solidFill>
+                  <a:srgbClr val="603636"/>
+                </a:solidFill>
+              </a:defRPr>
+            </a:lvl1pPr>
+          </a:lstStyle>
+          <a:p>
+            <a:fld id="{51E84241-D031-42DE-84E4-CC10C30232F4}" type="datetimeFigureOut">
+              <a:rPr lang="ru-RU" smtClean="0"/>
+              <a:pPr/>
+              <a:t>22.10.2013</a:t>
+            </a:fld>
+            <a:endParaRPr lang="ru-RU" dirty="0"/>
+          </a:p>
+        </p:txBody>
+      </p:sp>
+      <p:sp>
+        <p:nvSpPr>
+          <p:cNvPr id="9" name="Нижний колонтитул 5"/>
+          <p:cNvSpPr>
+            <a:spLocks noGrp="1"/>
+          </p:cNvSpPr>
+          <p:nvPr>
+            <p:ph type="ftr" sz="quarter" idx="11"/>
+          </p:nvPr>
+        </p:nvSpPr>
+        <p:spPr>
+          <a:xfrm>
+            <a:off x="3100536" y="4623978"/>
+            <a:ext cx="2895600" cy="273844"/>
+          </a:xfrm>
+          <a:prstGeom prst="rect">
+            <a:avLst/>
+          </a:prstGeom>
+        </p:spPr>
+        <p:txBody>
+          <a:bodyPr/>
+          <a:lstStyle>
+            <a:lvl1pPr>
+              <a:defRPr>
+                <a:solidFill>
+                  <a:srgbClr val="603636"/>
+                </a:solidFill>
+              </a:defRPr>
+            </a:lvl1pPr>
+          </a:lstStyle>
+          <a:p>
+            <a:endParaRPr lang="ru-RU"/>
+          </a:p>
+        </p:txBody>
+      </p:sp>
+      <p:sp>
+        <p:nvSpPr>
+          <p:cNvPr id="10" name="Номер слайда 6"/>
+          <p:cNvSpPr>
+            <a:spLocks noGrp="1"/>
+          </p:cNvSpPr>
+          <p:nvPr>
+            <p:ph type="sldNum" sz="quarter" idx="12"/>
+          </p:nvPr>
+        </p:nvSpPr>
+        <p:spPr>
+          <a:xfrm>
+            <a:off x="6529536" y="4623978"/>
+            <a:ext cx="2133600" cy="273844"/>
+          </a:xfrm>
+          <a:prstGeom prst="rect">
+            <a:avLst/>
+          </a:prstGeom>
+        </p:spPr>
+        <p:txBody>
+          <a:bodyPr/>
+          <a:lstStyle>
+            <a:lvl1pPr>
+              <a:defRPr>
+                <a:solidFill>
+                  <a:srgbClr val="603636"/>
+                </a:solidFill>
+              </a:defRPr>
+            </a:lvl1pPr>
+          </a:lstStyle>
+          <a:p>
+            <a:fld id="{6B5AA3AA-5EA9-4976-BF6C-9891F6110747}" type="slidenum">
+              <a:rPr lang="ru-RU" smtClean="0"/>
+              <a:pPr/>
+              <a:t>‹#›</a:t>
+            </a:fld>
+            <a:endParaRPr lang="ru-RU"/>
+          </a:p>
+        </p:txBody>
+      </p:sp>
     </p:spTree>
   </p:cSld>
   <p:clrMapOvr>
@@ -1015,6 +1360,121 @@
           </a:p>
         </p:txBody>
       </p:sp>
+      <p:sp>
+        <p:nvSpPr>
+          <p:cNvPr id="8" name="Дата 4"/>
+          <p:cNvSpPr>
+            <a:spLocks noGrp="1"/>
+          </p:cNvSpPr>
+          <p:nvPr>
+            <p:ph type="dt" sz="half" idx="10"/>
+          </p:nvPr>
+        </p:nvSpPr>
+        <p:spPr>
+          <a:xfrm>
+            <a:off x="433536" y="4623978"/>
+            <a:ext cx="2133600" cy="273844"/>
+          </a:xfrm>
+          <a:prstGeom prst="rect">
+            <a:avLst/>
+          </a:prstGeom>
+        </p:spPr>
+        <p:txBody>
+          <a:bodyPr/>
+          <a:lstStyle>
+            <a:lvl1pPr>
+              <a:defRPr>
+                <a:solidFill>
+                  <a:srgbClr val="603636"/>
+                </a:solidFill>
+              </a:defRPr>
+            </a:lvl1pPr>
+          </a:lstStyle>
+          <a:p>
+            <a:fld id="{51E84241-D031-42DE-84E4-CC10C30232F4}" type="datetimeFigureOut">
+              <a:rPr lang="ru-RU" smtClean="0"/>
+              <a:pPr/>
+              <a:t>22.10.2013</a:t>
+            </a:fld>
+            <a:endParaRPr lang="ru-RU" dirty="0"/>
+          </a:p>
+        </p:txBody>
+      </p:sp>
+      <p:sp>
+        <p:nvSpPr>
+          <p:cNvPr id="9" name="Нижний колонтитул 5"/>
+          <p:cNvSpPr>
+            <a:spLocks noGrp="1"/>
+          </p:cNvSpPr>
+          <p:nvPr>
+            <p:ph type="ftr" sz="quarter" idx="11"/>
+          </p:nvPr>
+        </p:nvSpPr>
+        <p:spPr>
+          <a:xfrm>
+            <a:off x="3100536" y="4623978"/>
+            <a:ext cx="2895600" cy="273844"/>
+          </a:xfrm>
+          <a:prstGeom prst="rect">
+            <a:avLst/>
+          </a:prstGeom>
+        </p:spPr>
+        <p:txBody>
+          <a:bodyPr/>
+          <a:lstStyle>
+            <a:lvl1pPr>
+              <a:defRPr>
+                <a:solidFill>
+                  <a:srgbClr val="603636"/>
+                </a:solidFill>
+              </a:defRPr>
+            </a:lvl1pPr>
+          </a:lstStyle>
+          <a:p>
+            <a:endParaRPr lang="ru-RU"/>
+          </a:p>
+        </p:txBody>
+      </p:sp>
+      <p:sp>
+        <p:nvSpPr>
+          <p:cNvPr id="10" name="Номер слайда 6"/>
+          <p:cNvSpPr>
+            <a:spLocks noGrp="1"/>
+          </p:cNvSpPr>
+          <p:nvPr>
+            <p:ph type="sldNum" sz="quarter" idx="12"/>
+          </p:nvPr>
+        </p:nvSpPr>
+        <p:spPr>
+          <a:xfrm>
+            <a:off x="6529536" y="4623978"/>
+            <a:ext cx="2133600" cy="273844"/>
+          </a:xfrm>
+          <a:prstGeom prst="rect">
+            <a:avLst/>
+          </a:prstGeom>
+        </p:spPr>
+        <p:txBody>
+          <a:bodyPr/>
+          <a:lstStyle>
+            <a:lvl1pPr>
+              <a:defRPr>
+                <a:solidFill>
+                  <a:srgbClr val="603636"/>
+                </a:solidFill>
+              </a:defRPr>
+            </a:lvl1pPr>
+          </a:lstStyle>
+          <a:p>
+            <a:fld id="{6B5AA3AA-5EA9-4976-BF6C-9891F6110747}" type="slidenum">
+              <a:rPr lang="ru-RU" smtClean="0"/>
+              <a:pPr/>
+              <a:t>‹#›</a:t>
+            </a:fld>
+            <a:endParaRPr lang="ru-RU"/>
+          </a:p>
+        </p:txBody>
+      </p:sp>
     </p:spTree>
   </p:cSld>
   <p:clrMapOvr>
@@ -1063,6 +1523,121 @@
           </a:p>
         </p:txBody>
       </p:sp>
+      <p:sp>
+        <p:nvSpPr>
+          <p:cNvPr id="8" name="Дата 4"/>
+          <p:cNvSpPr>
+            <a:spLocks noGrp="1"/>
+          </p:cNvSpPr>
+          <p:nvPr>
+            <p:ph type="dt" sz="half" idx="10"/>
+          </p:nvPr>
+        </p:nvSpPr>
+        <p:spPr>
+          <a:xfrm>
+            <a:off x="433536" y="4623978"/>
+            <a:ext cx="2133600" cy="273844"/>
+          </a:xfrm>
+          <a:prstGeom prst="rect">
+            <a:avLst/>
+          </a:prstGeom>
+        </p:spPr>
+        <p:txBody>
+          <a:bodyPr/>
+          <a:lstStyle>
+            <a:lvl1pPr>
+              <a:defRPr>
+                <a:solidFill>
+                  <a:srgbClr val="603636"/>
+                </a:solidFill>
+              </a:defRPr>
+            </a:lvl1pPr>
+          </a:lstStyle>
+          <a:p>
+            <a:fld id="{51E84241-D031-42DE-84E4-CC10C30232F4}" type="datetimeFigureOut">
+              <a:rPr lang="ru-RU" smtClean="0"/>
+              <a:pPr/>
+              <a:t>22.10.2013</a:t>
+            </a:fld>
+            <a:endParaRPr lang="ru-RU" dirty="0"/>
+          </a:p>
+        </p:txBody>
+      </p:sp>
+      <p:sp>
+        <p:nvSpPr>
+          <p:cNvPr id="9" name="Нижний колонтитул 5"/>
+          <p:cNvSpPr>
+            <a:spLocks noGrp="1"/>
+          </p:cNvSpPr>
+          <p:nvPr>
+            <p:ph type="ftr" sz="quarter" idx="11"/>
+          </p:nvPr>
+        </p:nvSpPr>
+        <p:spPr>
+          <a:xfrm>
+            <a:off x="3100536" y="4623978"/>
+            <a:ext cx="2895600" cy="273844"/>
+          </a:xfrm>
+          <a:prstGeom prst="rect">
+            <a:avLst/>
+          </a:prstGeom>
+        </p:spPr>
+        <p:txBody>
+          <a:bodyPr/>
+          <a:lstStyle>
+            <a:lvl1pPr>
+              <a:defRPr>
+                <a:solidFill>
+                  <a:srgbClr val="603636"/>
+                </a:solidFill>
+              </a:defRPr>
+            </a:lvl1pPr>
+          </a:lstStyle>
+          <a:p>
+            <a:endParaRPr lang="ru-RU"/>
+          </a:p>
+        </p:txBody>
+      </p:sp>
+      <p:sp>
+        <p:nvSpPr>
+          <p:cNvPr id="10" name="Номер слайда 6"/>
+          <p:cNvSpPr>
+            <a:spLocks noGrp="1"/>
+          </p:cNvSpPr>
+          <p:nvPr>
+            <p:ph type="sldNum" sz="quarter" idx="12"/>
+          </p:nvPr>
+        </p:nvSpPr>
+        <p:spPr>
+          <a:xfrm>
+            <a:off x="6529536" y="4623978"/>
+            <a:ext cx="2133600" cy="273844"/>
+          </a:xfrm>
+          <a:prstGeom prst="rect">
+            <a:avLst/>
+          </a:prstGeom>
+        </p:spPr>
+        <p:txBody>
+          <a:bodyPr/>
+          <a:lstStyle>
+            <a:lvl1pPr>
+              <a:defRPr>
+                <a:solidFill>
+                  <a:srgbClr val="603636"/>
+                </a:solidFill>
+              </a:defRPr>
+            </a:lvl1pPr>
+          </a:lstStyle>
+          <a:p>
+            <a:fld id="{6B5AA3AA-5EA9-4976-BF6C-9891F6110747}" type="slidenum">
+              <a:rPr lang="ru-RU" smtClean="0"/>
+              <a:pPr/>
+              <a:t>‹#›</a:t>
+            </a:fld>
+            <a:endParaRPr lang="ru-RU"/>
+          </a:p>
+        </p:txBody>
+      </p:sp>
     </p:spTree>
   </p:cSld>
   <p:clrMapOvr>
@@ -1088,6 +1663,121 @@
           <a:chExt cx="0" cy="0"/>
         </a:xfrm>
       </p:grpSpPr>
+      <p:sp>
+        <p:nvSpPr>
+          <p:cNvPr id="8" name="Дата 4"/>
+          <p:cNvSpPr>
+            <a:spLocks noGrp="1"/>
+          </p:cNvSpPr>
+          <p:nvPr>
+            <p:ph type="dt" sz="half" idx="10"/>
+          </p:nvPr>
+        </p:nvSpPr>
+        <p:spPr>
+          <a:xfrm>
+            <a:off x="433536" y="4623978"/>
+            <a:ext cx="2133600" cy="273844"/>
+          </a:xfrm>
+          <a:prstGeom prst="rect">
+            <a:avLst/>
+          </a:prstGeom>
+        </p:spPr>
+        <p:txBody>
+          <a:bodyPr/>
+          <a:lstStyle>
+            <a:lvl1pPr>
+              <a:defRPr>
+                <a:solidFill>
+                  <a:srgbClr val="603636"/>
+                </a:solidFill>
+              </a:defRPr>
+            </a:lvl1pPr>
+          </a:lstStyle>
+          <a:p>
+            <a:fld id="{51E84241-D031-42DE-84E4-CC10C30232F4}" type="datetimeFigureOut">
+              <a:rPr lang="ru-RU" smtClean="0"/>
+              <a:pPr/>
+              <a:t>22.10.2013</a:t>
+            </a:fld>
+            <a:endParaRPr lang="ru-RU" dirty="0"/>
+          </a:p>
+        </p:txBody>
+      </p:sp>
+      <p:sp>
+        <p:nvSpPr>
+          <p:cNvPr id="9" name="Нижний колонтитул 5"/>
+          <p:cNvSpPr>
+            <a:spLocks noGrp="1"/>
+          </p:cNvSpPr>
+          <p:nvPr>
+            <p:ph type="ftr" sz="quarter" idx="11"/>
+          </p:nvPr>
+        </p:nvSpPr>
+        <p:spPr>
+          <a:xfrm>
+            <a:off x="3100536" y="4623978"/>
+            <a:ext cx="2895600" cy="273844"/>
+          </a:xfrm>
+          <a:prstGeom prst="rect">
+            <a:avLst/>
+          </a:prstGeom>
+        </p:spPr>
+        <p:txBody>
+          <a:bodyPr/>
+          <a:lstStyle>
+            <a:lvl1pPr>
+              <a:defRPr>
+                <a:solidFill>
+                  <a:srgbClr val="603636"/>
+                </a:solidFill>
+              </a:defRPr>
+            </a:lvl1pPr>
+          </a:lstStyle>
+          <a:p>
+            <a:endParaRPr lang="ru-RU"/>
+          </a:p>
+        </p:txBody>
+      </p:sp>
+      <p:sp>
+        <p:nvSpPr>
+          <p:cNvPr id="10" name="Номер слайда 6"/>
+          <p:cNvSpPr>
+            <a:spLocks noGrp="1"/>
+          </p:cNvSpPr>
+          <p:nvPr>
+            <p:ph type="sldNum" sz="quarter" idx="12"/>
+          </p:nvPr>
+        </p:nvSpPr>
+        <p:spPr>
+          <a:xfrm>
+            <a:off x="6529536" y="4623978"/>
+            <a:ext cx="2133600" cy="273844"/>
+          </a:xfrm>
+          <a:prstGeom prst="rect">
+            <a:avLst/>
+          </a:prstGeom>
+        </p:spPr>
+        <p:txBody>
+          <a:bodyPr/>
+          <a:lstStyle>
+            <a:lvl1pPr>
+              <a:defRPr>
+                <a:solidFill>
+                  <a:srgbClr val="603636"/>
+                </a:solidFill>
+              </a:defRPr>
+            </a:lvl1pPr>
+          </a:lstStyle>
+          <a:p>
+            <a:fld id="{6B5AA3AA-5EA9-4976-BF6C-9891F6110747}" type="slidenum">
+              <a:rPr lang="ru-RU" smtClean="0"/>
+              <a:pPr/>
+              <a:t>‹#›</a:t>
+            </a:fld>
+            <a:endParaRPr lang="ru-RU"/>
+          </a:p>
+        </p:txBody>
+      </p:sp>
     </p:spTree>
     <p:extLst>
       <p:ext uri="{BB962C8B-B14F-4D97-AF65-F5344CB8AC3E}">
@@ -1372,6 +2062,121 @@
               <a:t>Образец заголовка</a:t>
             </a:r>
             <a:endParaRPr lang="en-US" dirty="0"/>
+          </a:p>
+        </p:txBody>
+      </p:sp>
+      <p:sp>
+        <p:nvSpPr>
+          <p:cNvPr id="8" name="Дата 4"/>
+          <p:cNvSpPr>
+            <a:spLocks noGrp="1"/>
+          </p:cNvSpPr>
+          <p:nvPr>
+            <p:ph type="dt" sz="half" idx="10"/>
+          </p:nvPr>
+        </p:nvSpPr>
+        <p:spPr>
+          <a:xfrm>
+            <a:off x="433536" y="4623978"/>
+            <a:ext cx="2133600" cy="273844"/>
+          </a:xfrm>
+          <a:prstGeom prst="rect">
+            <a:avLst/>
+          </a:prstGeom>
+        </p:spPr>
+        <p:txBody>
+          <a:bodyPr/>
+          <a:lstStyle>
+            <a:lvl1pPr>
+              <a:defRPr>
+                <a:solidFill>
+                  <a:srgbClr val="603636"/>
+                </a:solidFill>
+              </a:defRPr>
+            </a:lvl1pPr>
+          </a:lstStyle>
+          <a:p>
+            <a:fld id="{51E84241-D031-42DE-84E4-CC10C30232F4}" type="datetimeFigureOut">
+              <a:rPr lang="ru-RU" smtClean="0"/>
+              <a:pPr/>
+              <a:t>22.10.2013</a:t>
+            </a:fld>
+            <a:endParaRPr lang="ru-RU" dirty="0"/>
+          </a:p>
+        </p:txBody>
+      </p:sp>
+      <p:sp>
+        <p:nvSpPr>
+          <p:cNvPr id="9" name="Нижний колонтитул 5"/>
+          <p:cNvSpPr>
+            <a:spLocks noGrp="1"/>
+          </p:cNvSpPr>
+          <p:nvPr>
+            <p:ph type="ftr" sz="quarter" idx="11"/>
+          </p:nvPr>
+        </p:nvSpPr>
+        <p:spPr>
+          <a:xfrm>
+            <a:off x="3100536" y="4623978"/>
+            <a:ext cx="2895600" cy="273844"/>
+          </a:xfrm>
+          <a:prstGeom prst="rect">
+            <a:avLst/>
+          </a:prstGeom>
+        </p:spPr>
+        <p:txBody>
+          <a:bodyPr/>
+          <a:lstStyle>
+            <a:lvl1pPr>
+              <a:defRPr>
+                <a:solidFill>
+                  <a:srgbClr val="603636"/>
+                </a:solidFill>
+              </a:defRPr>
+            </a:lvl1pPr>
+          </a:lstStyle>
+          <a:p>
+            <a:endParaRPr lang="ru-RU"/>
+          </a:p>
+        </p:txBody>
+      </p:sp>
+      <p:sp>
+        <p:nvSpPr>
+          <p:cNvPr id="10" name="Номер слайда 6"/>
+          <p:cNvSpPr>
+            <a:spLocks noGrp="1"/>
+          </p:cNvSpPr>
+          <p:nvPr>
+            <p:ph type="sldNum" sz="quarter" idx="12"/>
+          </p:nvPr>
+        </p:nvSpPr>
+        <p:spPr>
+          <a:xfrm>
+            <a:off x="6529536" y="4623978"/>
+            <a:ext cx="2133600" cy="273844"/>
+          </a:xfrm>
+          <a:prstGeom prst="rect">
+            <a:avLst/>
+          </a:prstGeom>
+        </p:spPr>
+        <p:txBody>
+          <a:bodyPr/>
+          <a:lstStyle>
+            <a:lvl1pPr>
+              <a:defRPr>
+                <a:solidFill>
+                  <a:srgbClr val="603636"/>
+                </a:solidFill>
+              </a:defRPr>
+            </a:lvl1pPr>
+          </a:lstStyle>
+          <a:p>
+            <a:fld id="{6B5AA3AA-5EA9-4976-BF6C-9891F6110747}" type="slidenum">
+              <a:rPr lang="ru-RU" smtClean="0"/>
+              <a:pPr/>
+              <a:t>‹#›</a:t>
+            </a:fld>
+            <a:endParaRPr lang="ru-RU"/>
           </a:p>
         </p:txBody>
       </p:sp>
@@ -1512,48 +2317,116 @@
       </p:sp>
       <p:sp>
         <p:nvSpPr>
-          <p:cNvPr id="9" name="Slide Number Placeholder 7"/>
-          <p:cNvSpPr>
-            <a:spLocks noGrp="1"/>
-          </p:cNvSpPr>
-          <p:nvPr>
-            <p:ph type="sldNum" sz="quarter" idx="4"/>
-          </p:nvPr>
-        </p:nvSpPr>
-        <p:spPr>
-          <a:xfrm>
-            <a:off x="4291013" y="4785996"/>
-            <a:ext cx="561975" cy="273844"/>
+          <p:cNvPr id="8" name="Дата 4"/>
+          <p:cNvSpPr>
+            <a:spLocks noGrp="1"/>
+          </p:cNvSpPr>
+          <p:nvPr>
+            <p:ph type="dt" sz="half" idx="10"/>
+          </p:nvPr>
+        </p:nvSpPr>
+        <p:spPr>
+          <a:xfrm>
+            <a:off x="433536" y="4623978"/>
+            <a:ext cx="2133600" cy="273844"/>
           </a:xfrm>
           <a:prstGeom prst="rect">
             <a:avLst/>
           </a:prstGeom>
-          <a:solidFill>
-            <a:schemeClr val="bg1">
-              <a:alpha val="71000"/>
-            </a:schemeClr>
-          </a:solidFill>
-          <a:ln w="15875">
-            <a:solidFill>
-              <a:schemeClr val="bg1"/>
-            </a:solidFill>
-            <a:prstDash val="sysDot"/>
-          </a:ln>
-        </p:spPr>
-        <p:txBody>
-          <a:bodyPr/>
-          <a:lstStyle>
-            <a:lvl1pPr algn="ctr">
-              <a:defRPr/>
-            </a:lvl1pPr>
-          </a:lstStyle>
-          <a:p>
-            <a:fld id="{80496BFC-E45A-4F33-972F-90F8D3DF9619}" type="slidenum">
+        </p:spPr>
+        <p:txBody>
+          <a:bodyPr/>
+          <a:lstStyle>
+            <a:lvl1pPr>
+              <a:defRPr>
+                <a:solidFill>
+                  <a:srgbClr val="603636"/>
+                </a:solidFill>
+              </a:defRPr>
+            </a:lvl1pPr>
+          </a:lstStyle>
+          <a:p>
+            <a:fld id="{51E84241-D031-42DE-84E4-CC10C30232F4}" type="datetimeFigureOut">
+              <a:rPr lang="ru-RU" smtClean="0"/>
+              <a:pPr/>
+              <a:t>22.10.2013</a:t>
+            </a:fld>
+            <a:endParaRPr lang="ru-RU" dirty="0"/>
+          </a:p>
+        </p:txBody>
+      </p:sp>
+      <p:sp>
+        <p:nvSpPr>
+          <p:cNvPr id="9" name="Нижний колонтитул 5"/>
+          <p:cNvSpPr>
+            <a:spLocks noGrp="1"/>
+          </p:cNvSpPr>
+          <p:nvPr>
+            <p:ph type="ftr" sz="quarter" idx="11"/>
+          </p:nvPr>
+        </p:nvSpPr>
+        <p:spPr>
+          <a:xfrm>
+            <a:off x="3100536" y="4623978"/>
+            <a:ext cx="2895600" cy="273844"/>
+          </a:xfrm>
+          <a:prstGeom prst="rect">
+            <a:avLst/>
+          </a:prstGeom>
+        </p:spPr>
+        <p:txBody>
+          <a:bodyPr/>
+          <a:lstStyle>
+            <a:lvl1pPr>
+              <a:defRPr>
+                <a:solidFill>
+                  <a:srgbClr val="603636"/>
+                </a:solidFill>
+              </a:defRPr>
+            </a:lvl1pPr>
+          </a:lstStyle>
+          <a:p>
+            <a:endParaRPr lang="ru-RU"/>
+          </a:p>
+        </p:txBody>
+      </p:sp>
+      <p:sp>
+        <p:nvSpPr>
+          <p:cNvPr id="10" name="Номер слайда 6"/>
+          <p:cNvSpPr>
+            <a:spLocks noGrp="1"/>
+          </p:cNvSpPr>
+          <p:nvPr>
+            <p:ph type="sldNum" sz="quarter" idx="12"/>
+          </p:nvPr>
+        </p:nvSpPr>
+        <p:spPr>
+          <a:xfrm>
+            <a:off x="6529536" y="4623978"/>
+            <a:ext cx="2133600" cy="273844"/>
+          </a:xfrm>
+          <a:prstGeom prst="rect">
+            <a:avLst/>
+          </a:prstGeom>
+        </p:spPr>
+        <p:txBody>
+          <a:bodyPr/>
+          <a:lstStyle>
+            <a:lvl1pPr>
+              <a:defRPr>
+                <a:solidFill>
+                  <a:srgbClr val="603636"/>
+                </a:solidFill>
+              </a:defRPr>
+            </a:lvl1pPr>
+          </a:lstStyle>
+          <a:p>
+            <a:fld id="{6B5AA3AA-5EA9-4976-BF6C-9891F6110747}" type="slidenum">
               <a:rPr lang="ru-RU" smtClean="0"/>
               <a:pPr/>
               <a:t>‹#›</a:t>
             </a:fld>
-            <a:endParaRPr lang="ru-RU" dirty="0"/>
+            <a:endParaRPr lang="ru-RU"/>
           </a:p>
         </p:txBody>
       </p:sp>
